--- a/Documents/PROJECTPPT.pptx
+++ b/Documents/PROJECTPPT.pptx
@@ -330,7 +330,7 @@
           <a:p>
             <a:fld id="{B5203DEC-C6B6-474F-82E6-290C99B74885}" type="datetimeFigureOut">
               <a:rPr lang="en-GB" smtClean="0"/>
-              <a:t>18/03/2019</a:t>
+              <a:t>15/05/2019</a:t>
             </a:fld>
             <a:endParaRPr lang="en-GB"/>
           </a:p>
@@ -605,7 +605,7 @@
           <a:p>
             <a:fld id="{B5203DEC-C6B6-474F-82E6-290C99B74885}" type="datetimeFigureOut">
               <a:rPr lang="en-GB" smtClean="0"/>
-              <a:t>18/03/2019</a:t>
+              <a:t>15/05/2019</a:t>
             </a:fld>
             <a:endParaRPr lang="en-GB"/>
           </a:p>
@@ -799,7 +799,7 @@
           <a:p>
             <a:fld id="{B5203DEC-C6B6-474F-82E6-290C99B74885}" type="datetimeFigureOut">
               <a:rPr lang="en-GB" smtClean="0"/>
-              <a:t>18/03/2019</a:t>
+              <a:t>15/05/2019</a:t>
             </a:fld>
             <a:endParaRPr lang="en-GB"/>
           </a:p>
@@ -1067,7 +1067,7 @@
           <a:p>
             <a:fld id="{B5203DEC-C6B6-474F-82E6-290C99B74885}" type="datetimeFigureOut">
               <a:rPr lang="en-GB" smtClean="0"/>
-              <a:t>18/03/2019</a:t>
+              <a:t>15/05/2019</a:t>
             </a:fld>
             <a:endParaRPr lang="en-GB"/>
           </a:p>
@@ -1399,7 +1399,7 @@
           <a:p>
             <a:fld id="{B5203DEC-C6B6-474F-82E6-290C99B74885}" type="datetimeFigureOut">
               <a:rPr lang="en-GB" smtClean="0"/>
-              <a:t>18/03/2019</a:t>
+              <a:t>15/05/2019</a:t>
             </a:fld>
             <a:endParaRPr lang="en-GB"/>
           </a:p>
@@ -2009,7 +2009,7 @@
           <a:p>
             <a:fld id="{B5203DEC-C6B6-474F-82E6-290C99B74885}" type="datetimeFigureOut">
               <a:rPr lang="en-GB" smtClean="0"/>
-              <a:t>18/03/2019</a:t>
+              <a:t>15/05/2019</a:t>
             </a:fld>
             <a:endParaRPr lang="en-GB"/>
           </a:p>
@@ -2856,7 +2856,7 @@
           <a:p>
             <a:fld id="{B5203DEC-C6B6-474F-82E6-290C99B74885}" type="datetimeFigureOut">
               <a:rPr lang="en-GB" smtClean="0"/>
-              <a:t>18/03/2019</a:t>
+              <a:t>15/05/2019</a:t>
             </a:fld>
             <a:endParaRPr lang="en-GB"/>
           </a:p>
@@ -3026,7 +3026,7 @@
           <a:p>
             <a:fld id="{B5203DEC-C6B6-474F-82E6-290C99B74885}" type="datetimeFigureOut">
               <a:rPr lang="en-GB" smtClean="0"/>
-              <a:t>18/03/2019</a:t>
+              <a:t>15/05/2019</a:t>
             </a:fld>
             <a:endParaRPr lang="en-GB"/>
           </a:p>
@@ -3206,7 +3206,7 @@
           <a:p>
             <a:fld id="{B5203DEC-C6B6-474F-82E6-290C99B74885}" type="datetimeFigureOut">
               <a:rPr lang="en-GB" smtClean="0"/>
-              <a:t>18/03/2019</a:t>
+              <a:t>15/05/2019</a:t>
             </a:fld>
             <a:endParaRPr lang="en-GB"/>
           </a:p>
@@ -3376,7 +3376,7 @@
           <a:p>
             <a:fld id="{B5203DEC-C6B6-474F-82E6-290C99B74885}" type="datetimeFigureOut">
               <a:rPr lang="en-GB" smtClean="0"/>
-              <a:t>18/03/2019</a:t>
+              <a:t>15/05/2019</a:t>
             </a:fld>
             <a:endParaRPr lang="en-GB"/>
           </a:p>
@@ -3620,7 +3620,7 @@
           <a:p>
             <a:fld id="{B5203DEC-C6B6-474F-82E6-290C99B74885}" type="datetimeFigureOut">
               <a:rPr lang="en-GB" smtClean="0"/>
-              <a:t>18/03/2019</a:t>
+              <a:t>15/05/2019</a:t>
             </a:fld>
             <a:endParaRPr lang="en-GB"/>
           </a:p>
@@ -3912,7 +3912,7 @@
           <a:p>
             <a:fld id="{B5203DEC-C6B6-474F-82E6-290C99B74885}" type="datetimeFigureOut">
               <a:rPr lang="en-GB" smtClean="0"/>
-              <a:t>18/03/2019</a:t>
+              <a:t>15/05/2019</a:t>
             </a:fld>
             <a:endParaRPr lang="en-GB"/>
           </a:p>
@@ -4350,7 +4350,7 @@
           <a:p>
             <a:fld id="{B5203DEC-C6B6-474F-82E6-290C99B74885}" type="datetimeFigureOut">
               <a:rPr lang="en-GB" smtClean="0"/>
-              <a:t>18/03/2019</a:t>
+              <a:t>15/05/2019</a:t>
             </a:fld>
             <a:endParaRPr lang="en-GB"/>
           </a:p>
@@ -4468,7 +4468,7 @@
           <a:p>
             <a:fld id="{B5203DEC-C6B6-474F-82E6-290C99B74885}" type="datetimeFigureOut">
               <a:rPr lang="en-GB" smtClean="0"/>
-              <a:t>18/03/2019</a:t>
+              <a:t>15/05/2019</a:t>
             </a:fld>
             <a:endParaRPr lang="en-GB"/>
           </a:p>
@@ -4563,7 +4563,7 @@
           <a:p>
             <a:fld id="{B5203DEC-C6B6-474F-82E6-290C99B74885}" type="datetimeFigureOut">
               <a:rPr lang="en-GB" smtClean="0"/>
-              <a:t>18/03/2019</a:t>
+              <a:t>15/05/2019</a:t>
             </a:fld>
             <a:endParaRPr lang="en-GB"/>
           </a:p>
@@ -4842,7 +4842,7 @@
           <a:p>
             <a:fld id="{B5203DEC-C6B6-474F-82E6-290C99B74885}" type="datetimeFigureOut">
               <a:rPr lang="en-GB" smtClean="0"/>
-              <a:t>18/03/2019</a:t>
+              <a:t>15/05/2019</a:t>
             </a:fld>
             <a:endParaRPr lang="en-GB"/>
           </a:p>
@@ -5117,7 +5117,7 @@
           <a:p>
             <a:fld id="{B5203DEC-C6B6-474F-82E6-290C99B74885}" type="datetimeFigureOut">
               <a:rPr lang="en-GB" smtClean="0"/>
-              <a:t>18/03/2019</a:t>
+              <a:t>15/05/2019</a:t>
             </a:fld>
             <a:endParaRPr lang="en-GB"/>
           </a:p>
@@ -5546,7 +5546,7 @@
           <a:p>
             <a:fld id="{B5203DEC-C6B6-474F-82E6-290C99B74885}" type="datetimeFigureOut">
               <a:rPr lang="en-GB" smtClean="0"/>
-              <a:t>18/03/2019</a:t>
+              <a:t>15/05/2019</a:t>
             </a:fld>
             <a:endParaRPr lang="en-GB"/>
           </a:p>
@@ -8770,7 +8770,61 @@
                 <a:latin typeface="Arial" panose="020B0604020202020204" pitchFamily="34" charset="0"/>
                 <a:ea typeface="Arial" panose="020B0604020202020204" pitchFamily="34" charset="0"/>
               </a:rPr>
-              <a:t>Beauty spa management system is a project which is developed in PHP and MySQL. The objective of this project is to facilitate accessing beauty spa services products. </a:t>
+              <a:t>Beauty spa management system is a project which is developed </a:t>
+            </a:r>
+            <a:r>
+              <a:rPr lang="en-GB" sz="3200" dirty="0" smtClean="0">
+                <a:latin typeface="Arial" panose="020B0604020202020204" pitchFamily="34" charset="0"/>
+                <a:ea typeface="Arial" panose="020B0604020202020204" pitchFamily="34" charset="0"/>
+              </a:rPr>
+              <a:t>with</a:t>
+            </a:r>
+            <a:r>
+              <a:rPr lang="en-GB" sz="3200" dirty="0" smtClean="0">
+                <a:effectLst/>
+                <a:latin typeface="Arial" panose="020B0604020202020204" pitchFamily="34" charset="0"/>
+                <a:ea typeface="Arial" panose="020B0604020202020204" pitchFamily="34" charset="0"/>
+              </a:rPr>
+              <a:t> </a:t>
+            </a:r>
+            <a:r>
+              <a:rPr lang="en-GB" sz="3200" dirty="0" err="1" smtClean="0">
+                <a:latin typeface="Arial" panose="020B0604020202020204" pitchFamily="34" charset="0"/>
+                <a:ea typeface="Arial" panose="020B0604020202020204" pitchFamily="34" charset="0"/>
+              </a:rPr>
+              <a:t>Laravel</a:t>
+            </a:r>
+            <a:r>
+              <a:rPr lang="en-GB" sz="3200" dirty="0" smtClean="0">
+                <a:effectLst/>
+                <a:latin typeface="Arial" panose="020B0604020202020204" pitchFamily="34" charset="0"/>
+                <a:ea typeface="Arial" panose="020B0604020202020204" pitchFamily="34" charset="0"/>
+              </a:rPr>
+              <a:t> </a:t>
+            </a:r>
+            <a:r>
+              <a:rPr lang="en-GB" sz="3200" dirty="0" smtClean="0">
+                <a:effectLst/>
+                <a:latin typeface="Arial" panose="020B0604020202020204" pitchFamily="34" charset="0"/>
+                <a:ea typeface="Arial" panose="020B0604020202020204" pitchFamily="34" charset="0"/>
+              </a:rPr>
+              <a:t>and MySQL. The objective of this project is to facilitate accessing beauty spa </a:t>
+            </a:r>
+            <a:r>
+              <a:rPr lang="en-GB" sz="3200" dirty="0" smtClean="0">
+                <a:effectLst/>
+                <a:latin typeface="Arial" panose="020B0604020202020204" pitchFamily="34" charset="0"/>
+                <a:ea typeface="Arial" panose="020B0604020202020204" pitchFamily="34" charset="0"/>
+              </a:rPr>
+              <a:t>services and </a:t>
+            </a:r>
+            <a:r>
+              <a:rPr lang="en-GB" sz="3200" dirty="0" smtClean="0">
+                <a:effectLst/>
+                <a:latin typeface="Arial" panose="020B0604020202020204" pitchFamily="34" charset="0"/>
+                <a:ea typeface="Arial" panose="020B0604020202020204" pitchFamily="34" charset="0"/>
+              </a:rPr>
+              <a:t>products. </a:t>
             </a:r>
             <a:endParaRPr lang="en-GB" sz="3200" dirty="0">
               <a:effectLst/>
@@ -19471,7 +19525,25 @@
               </a:tabLst>
             </a:pPr>
             <a:r>
-              <a:rPr lang="en-GB" sz="2800" i="1" dirty="0" smtClean="0">
+              <a:rPr lang="en-US" sz="2800" dirty="0" smtClean="0">
+                <a:effectLst/>
+                <a:latin typeface="Franklin Gothic Book" panose="020B0503020102020204" pitchFamily="34" charset="0"/>
+                <a:ea typeface="HGGothicE"/>
+                <a:cs typeface="Times New Roman" panose="02020603050405020304" pitchFamily="18" charset="0"/>
+              </a:rPr>
+              <a:t>The </a:t>
+            </a:r>
+            <a:r>
+              <a:rPr lang="en-US" sz="2800" dirty="0" smtClean="0">
+                <a:effectLst/>
+                <a:latin typeface="Franklin Gothic Book" panose="020B0503020102020204" pitchFamily="34" charset="0"/>
+                <a:ea typeface="HGGothicE"/>
+                <a:cs typeface="Times New Roman" panose="02020603050405020304" pitchFamily="18" charset="0"/>
+              </a:rPr>
+              <a:t>system will enable users find a service based on their needs. It is most helpful when they do not really know what really suits their needs. The system also introduces carts so users can choose multiple </a:t>
+            </a:r>
+            <a:r>
+              <a:rPr lang="en-US" sz="2800" dirty="0" smtClean="0">
                 <a:effectLst/>
                 <a:latin typeface="Franklin Gothic Book" panose="020B0503020102020204" pitchFamily="34" charset="0"/>
                 <a:ea typeface="HGGothicE"/>
@@ -19486,16 +19558,7 @@
                 <a:ea typeface="HGGothicE"/>
                 <a:cs typeface="Times New Roman" panose="02020603050405020304" pitchFamily="18" charset="0"/>
               </a:rPr>
-              <a:t>The system will enable users find a service based on their needs. It is most helpful when they do not really know what really suits their needs. The system also introduces carts so users can choose multiple services and </a:t>
-            </a:r>
-            <a:r>
-              <a:rPr lang="en-US" sz="2800" dirty="0" err="1" smtClean="0">
-                <a:effectLst/>
-                <a:latin typeface="Franklin Gothic Book" panose="020B0503020102020204" pitchFamily="34" charset="0"/>
-                <a:ea typeface="HGGothicE"/>
-                <a:cs typeface="Times New Roman" panose="02020603050405020304" pitchFamily="18" charset="0"/>
-              </a:rPr>
-              <a:t>products,then</a:t>
+              <a:t>products</a:t>
             </a:r>
             <a:r>
               <a:rPr lang="en-US" sz="2800" dirty="0" smtClean="0">
@@ -19504,7 +19567,16 @@
                 <a:ea typeface="HGGothicE"/>
                 <a:cs typeface="Times New Roman" panose="02020603050405020304" pitchFamily="18" charset="0"/>
               </a:rPr>
-              <a:t> pay on one go. Users will be able book for a staff for a particular service and buy products.</a:t>
+              <a:t>, then </a:t>
+            </a:r>
+            <a:r>
+              <a:rPr lang="en-US" sz="2800" dirty="0" smtClean="0">
+                <a:effectLst/>
+                <a:latin typeface="Franklin Gothic Book" panose="020B0503020102020204" pitchFamily="34" charset="0"/>
+                <a:ea typeface="HGGothicE"/>
+                <a:cs typeface="Times New Roman" panose="02020603050405020304" pitchFamily="18" charset="0"/>
+              </a:rPr>
+              <a:t>pay on one go. Users will be able book for a staff for a particular service and buy products.</a:t>
             </a:r>
             <a:endParaRPr lang="en-GB" sz="2800" dirty="0">
               <a:effectLst/>
@@ -20725,8 +20797,8 @@
         </p:nvSpPr>
         <p:spPr>
           <a:xfrm>
-            <a:off x="657907" y="1377910"/>
-            <a:ext cx="10058401" cy="6034857"/>
+            <a:off x="721217" y="1377910"/>
+            <a:ext cx="9995091" cy="6034857"/>
           </a:xfrm>
           <a:prstGeom prst="rect">
             <a:avLst/>
@@ -20738,7 +20810,7 @@
           </a:bodyPr>
           <a:lstStyle/>
           <a:p>
-            <a:pPr marL="172085">
+            <a:pPr>
               <a:lnSpc>
                 <a:spcPct val="102000"/>
               </a:lnSpc>
@@ -20747,21 +20819,22 @@
               </a:spcAft>
             </a:pPr>
             <a:r>
-              <a:rPr lang="en-GB" b="1" i="1" u="sng" kern="0" dirty="0" smtClean="0">
-                <a:effectLst/>
-                <a:latin typeface="Arial" panose="020B0604020202020204" pitchFamily="34" charset="0"/>
-                <a:ea typeface="Arial" panose="020B0604020202020204" pitchFamily="34" charset="0"/>
-              </a:rPr>
+              <a:rPr lang="en-GB" b="1" i="1" u="sng" dirty="0" smtClean="0"/>
               <a:t>Registration</a:t>
             </a:r>
             <a:r>
-              <a:rPr lang="en-GB" b="1" i="1" kern="0" dirty="0" smtClean="0">
+              <a:rPr lang="en-GB" b="1" kern="0" dirty="0" smtClean="0">
                 <a:effectLst/>
                 <a:latin typeface="Arial" panose="020B0604020202020204" pitchFamily="34" charset="0"/>
                 <a:ea typeface="Arial" panose="020B0604020202020204" pitchFamily="34" charset="0"/>
               </a:rPr>
               <a:t> </a:t>
             </a:r>
+            <a:endParaRPr lang="en-GB" b="1" kern="0" dirty="0" smtClean="0">
+              <a:effectLst/>
+              <a:latin typeface="Arial" panose="020B0604020202020204" pitchFamily="34" charset="0"/>
+              <a:ea typeface="Arial" panose="020B0604020202020204" pitchFamily="34" charset="0"/>
+            </a:endParaRPr>
           </a:p>
           <a:p>
             <a:pPr indent="-6350" algn="just">
@@ -20828,8 +20901,26 @@
                 <a:latin typeface="Times New Roman" panose="02020603050405020304" pitchFamily="18" charset="0"/>
                 <a:ea typeface="Times New Roman" panose="02020603050405020304" pitchFamily="18" charset="0"/>
               </a:rPr>
-              <a:t>Users can choose to get an appointment on their preferred services and offers. </a:t>
+              <a:t>Users can choose to get an appointment on their preferred services and </a:t>
             </a:r>
+            <a:r>
+              <a:rPr lang="en-GB" dirty="0" smtClean="0">
+                <a:latin typeface="Times New Roman" panose="02020603050405020304" pitchFamily="18" charset="0"/>
+                <a:ea typeface="Times New Roman" panose="02020603050405020304" pitchFamily="18" charset="0"/>
+              </a:rPr>
+              <a:t>packages</a:t>
+            </a:r>
+            <a:r>
+              <a:rPr lang="en-GB" dirty="0" smtClean="0">
+                <a:latin typeface="Times New Roman" panose="02020603050405020304" pitchFamily="18" charset="0"/>
+                <a:ea typeface="Times New Roman" panose="02020603050405020304" pitchFamily="18" charset="0"/>
+              </a:rPr>
+              <a:t>. </a:t>
+            </a:r>
+            <a:endParaRPr lang="en-GB" dirty="0">
+              <a:latin typeface="Times New Roman" panose="02020603050405020304" pitchFamily="18" charset="0"/>
+              <a:ea typeface="Times New Roman" panose="02020603050405020304" pitchFamily="18" charset="0"/>
+            </a:endParaRPr>
           </a:p>
           <a:p>
             <a:endParaRPr lang="en-GB" sz="1400" b="1" dirty="0"/>
@@ -20886,8 +20977,26 @@
                 <a:latin typeface="Times New Roman" panose="02020603050405020304" pitchFamily="18" charset="0"/>
                 <a:ea typeface="Times New Roman" panose="02020603050405020304" pitchFamily="18" charset="0"/>
               </a:rPr>
-              <a:t>Sometimes users may be searching for a service for a specific problem and they may find it difficult to choose a specific one. This feature is able to suggest them a service that best suit their needs through predictions. </a:t>
+              <a:t>Sometimes users may be searching for a service for a specific problem and they may find it difficult to choose a specific one. This feature is able to suggest them a service that best suit their needs through </a:t>
             </a:r>
+            <a:r>
+              <a:rPr lang="en-GB" dirty="0" smtClean="0">
+                <a:latin typeface="Times New Roman" panose="02020603050405020304" pitchFamily="18" charset="0"/>
+                <a:ea typeface="Times New Roman" panose="02020603050405020304" pitchFamily="18" charset="0"/>
+              </a:rPr>
+              <a:t>search</a:t>
+            </a:r>
+            <a:r>
+              <a:rPr lang="en-GB" dirty="0" smtClean="0">
+                <a:latin typeface="Times New Roman" panose="02020603050405020304" pitchFamily="18" charset="0"/>
+                <a:ea typeface="Times New Roman" panose="02020603050405020304" pitchFamily="18" charset="0"/>
+              </a:rPr>
+              <a:t>. </a:t>
+            </a:r>
+            <a:endParaRPr lang="en-GB" dirty="0">
+              <a:latin typeface="Times New Roman" panose="02020603050405020304" pitchFamily="18" charset="0"/>
+              <a:ea typeface="Times New Roman" panose="02020603050405020304" pitchFamily="18" charset="0"/>
+            </a:endParaRPr>
           </a:p>
           <a:p>
             <a:endParaRPr lang="en-GB" sz="1400" b="1" dirty="0"/>
@@ -21008,7 +21117,55 @@
                 <a:latin typeface="Arial" panose="020B0604020202020204" pitchFamily="34" charset="0"/>
                 <a:ea typeface="Arial" panose="020B0604020202020204" pitchFamily="34" charset="0"/>
               </a:rPr>
-              <a:t>Users can go through available services and products, add them to cart and pay for them on the go. Carts offers much flexibility while selecting services and products. They can add and remove services and products and then find the total costs. Carts helps users to finalize their bookings before payment. </a:t>
+              <a:t>Users can go through available </a:t>
+            </a:r>
+            <a:r>
+              <a:rPr lang="en-GB" dirty="0" smtClean="0">
+                <a:effectLst/>
+                <a:latin typeface="Arial" panose="020B0604020202020204" pitchFamily="34" charset="0"/>
+                <a:ea typeface="Arial" panose="020B0604020202020204" pitchFamily="34" charset="0"/>
+              </a:rPr>
+              <a:t>products</a:t>
+            </a:r>
+            <a:r>
+              <a:rPr lang="en-GB" dirty="0" smtClean="0">
+                <a:effectLst/>
+                <a:latin typeface="Arial" panose="020B0604020202020204" pitchFamily="34" charset="0"/>
+                <a:ea typeface="Arial" panose="020B0604020202020204" pitchFamily="34" charset="0"/>
+              </a:rPr>
+              <a:t>, add them to cart and pay for them on the go. Carts offers much flexibility while selecting </a:t>
+            </a:r>
+            <a:r>
+              <a:rPr lang="en-GB" dirty="0" smtClean="0">
+                <a:effectLst/>
+                <a:latin typeface="Arial" panose="020B0604020202020204" pitchFamily="34" charset="0"/>
+                <a:ea typeface="Arial" panose="020B0604020202020204" pitchFamily="34" charset="0"/>
+              </a:rPr>
+              <a:t> </a:t>
+            </a:r>
+            <a:r>
+              <a:rPr lang="en-GB" dirty="0" smtClean="0">
+                <a:effectLst/>
+                <a:latin typeface="Arial" panose="020B0604020202020204" pitchFamily="34" charset="0"/>
+                <a:ea typeface="Arial" panose="020B0604020202020204" pitchFamily="34" charset="0"/>
+              </a:rPr>
+              <a:t>products. They can add and remove </a:t>
+            </a:r>
+            <a:r>
+              <a:rPr lang="en-GB" dirty="0" smtClean="0">
+                <a:effectLst/>
+                <a:latin typeface="Arial" panose="020B0604020202020204" pitchFamily="34" charset="0"/>
+                <a:ea typeface="Arial" panose="020B0604020202020204" pitchFamily="34" charset="0"/>
+              </a:rPr>
+              <a:t> </a:t>
+            </a:r>
+            <a:r>
+              <a:rPr lang="en-GB" dirty="0" smtClean="0">
+                <a:effectLst/>
+                <a:latin typeface="Arial" panose="020B0604020202020204" pitchFamily="34" charset="0"/>
+                <a:ea typeface="Arial" panose="020B0604020202020204" pitchFamily="34" charset="0"/>
+              </a:rPr>
+              <a:t>products and then find the total costs. Carts helps users to finalize their bookings before payment. </a:t>
             </a:r>
           </a:p>
           <a:p>
@@ -21169,7 +21326,7 @@
         <p:spPr>
           <a:xfrm>
             <a:off x="824247" y="1648496"/>
-            <a:ext cx="10277341" cy="5035738"/>
+            <a:ext cx="10277341" cy="4758739"/>
           </a:xfrm>
           <a:prstGeom prst="rect">
             <a:avLst/>
@@ -21181,7 +21338,7 @@
           </a:bodyPr>
           <a:lstStyle/>
           <a:p>
-            <a:pPr marL="225425" indent="-6350">
+            <a:pPr>
               <a:lnSpc>
                 <a:spcPct val="102000"/>
               </a:lnSpc>
@@ -21221,7 +21378,39 @@
                 <a:latin typeface="Arial" panose="020B0604020202020204" pitchFamily="34" charset="0"/>
                 <a:ea typeface="Arial" panose="020B0604020202020204" pitchFamily="34" charset="0"/>
               </a:rPr>
-              <a:t>Users/Customers can login through their accounts and view the services and products. Users can find a service based on their needs. After that users can choose to get an appointment on their preferred services and offers. After choosing a service or product, users can opt to pay either online or offline. After availing the service and product user has an option to submit feedback. User has a cart where he can add services and products and then pay for it together. </a:t>
+              <a:t>Users/Customers can login through their accounts and view the services and products. Users can find a service based on their needs. After that users can choose to get an appointment on their preferred </a:t>
+            </a:r>
+            <a:r>
+              <a:rPr lang="en-GB" dirty="0" smtClean="0">
+                <a:effectLst/>
+                <a:latin typeface="Arial" panose="020B0604020202020204" pitchFamily="34" charset="0"/>
+                <a:ea typeface="Arial" panose="020B0604020202020204" pitchFamily="34" charset="0"/>
+              </a:rPr>
+              <a:t>services. </a:t>
+            </a:r>
+            <a:r>
+              <a:rPr lang="en-GB" dirty="0" smtClean="0">
+                <a:effectLst/>
+                <a:latin typeface="Arial" panose="020B0604020202020204" pitchFamily="34" charset="0"/>
+                <a:ea typeface="Arial" panose="020B0604020202020204" pitchFamily="34" charset="0"/>
+              </a:rPr>
+              <a:t>After choosing a service or product, users can opt to pay either online or offline. After availing the service and product user has an option to submit feedback. User has a cart where he can add </a:t>
+            </a:r>
+            <a:r>
+              <a:rPr lang="en-GB" dirty="0" smtClean="0">
+                <a:effectLst/>
+                <a:latin typeface="Arial" panose="020B0604020202020204" pitchFamily="34" charset="0"/>
+                <a:ea typeface="Arial" panose="020B0604020202020204" pitchFamily="34" charset="0"/>
+              </a:rPr>
+              <a:t> </a:t>
+            </a:r>
+            <a:r>
+              <a:rPr lang="en-GB" dirty="0" smtClean="0">
+                <a:effectLst/>
+                <a:latin typeface="Arial" panose="020B0604020202020204" pitchFamily="34" charset="0"/>
+                <a:ea typeface="Arial" panose="020B0604020202020204" pitchFamily="34" charset="0"/>
+              </a:rPr>
+              <a:t>products and then pay for it together. </a:t>
             </a:r>
           </a:p>
           <a:p>
@@ -21251,7 +21440,21 @@
                 <a:latin typeface="Arial" panose="020B0604020202020204" pitchFamily="34" charset="0"/>
                 <a:ea typeface="Arial" panose="020B0604020202020204" pitchFamily="34" charset="0"/>
               </a:rPr>
-              <a:t>Employee has their own login through which they can update available services . Their also responsible for clarifying users enquires. Employees can request for leaves from admin apply though the application. </a:t>
+              <a:t>Employee has their own login through which they can update available services </a:t>
+            </a:r>
+            <a:r>
+              <a:rPr lang="en-GB" dirty="0" smtClean="0">
+                <a:latin typeface="Arial" panose="020B0604020202020204" pitchFamily="34" charset="0"/>
+                <a:ea typeface="Arial" panose="020B0604020202020204" pitchFamily="34" charset="0"/>
+              </a:rPr>
+              <a:t>.. </a:t>
+            </a:r>
+            <a:r>
+              <a:rPr lang="en-GB" dirty="0">
+                <a:latin typeface="Arial" panose="020B0604020202020204" pitchFamily="34" charset="0"/>
+                <a:ea typeface="Arial" panose="020B0604020202020204" pitchFamily="34" charset="0"/>
+              </a:rPr>
+              <a:t>Employees can request for leaves from admin apply though the application. </a:t>
             </a:r>
           </a:p>
           <a:p>
